--- a/HF_poster_background.pptx
+++ b/HF_poster_background.pptx
@@ -110,6 +110,35 @@
     </p:ext>
   </p:extLst>
 </p:presentation>
+</file>
+
+<file path=ppt/changesInfos/changesInfo1.xml><?xml version="1.0" encoding="utf-8"?>
+<pc:chgInfo xmlns:a="http://schemas.openxmlformats.org/drawingml/2006/main" xmlns:r="http://schemas.openxmlformats.org/officeDocument/2006/relationships" xmlns:ac="http://schemas.microsoft.com/office/drawing/2013/main/command" xmlns:pc="http://schemas.microsoft.com/office/powerpoint/2013/main/command">
+  <pc:docChgLst>
+    <pc:chgData name="이승유" userId="0d74a26e-f7c6-4b3e-820d-f68a8268e5d0" providerId="ADAL" clId="{417DF0DA-EBE8-437E-A105-73ED6B02543F}"/>
+    <pc:docChg chg="modSld">
+      <pc:chgData name="이승유" userId="0d74a26e-f7c6-4b3e-820d-f68a8268e5d0" providerId="ADAL" clId="{417DF0DA-EBE8-437E-A105-73ED6B02543F}" dt="2021-10-18T13:30:35.767" v="0" actId="1076"/>
+      <pc:docMkLst>
+        <pc:docMk/>
+      </pc:docMkLst>
+      <pc:sldChg chg="modSp mod">
+        <pc:chgData name="이승유" userId="0d74a26e-f7c6-4b3e-820d-f68a8268e5d0" providerId="ADAL" clId="{417DF0DA-EBE8-437E-A105-73ED6B02543F}" dt="2021-10-18T13:30:35.767" v="0" actId="1076"/>
+        <pc:sldMkLst>
+          <pc:docMk/>
+          <pc:sldMk cId="488823804" sldId="256"/>
+        </pc:sldMkLst>
+        <pc:spChg chg="mod">
+          <ac:chgData name="이승유" userId="0d74a26e-f7c6-4b3e-820d-f68a8268e5d0" providerId="ADAL" clId="{417DF0DA-EBE8-437E-A105-73ED6B02543F}" dt="2021-10-18T13:30:35.767" v="0" actId="1076"/>
+          <ac:spMkLst>
+            <pc:docMk/>
+            <pc:sldMk cId="488823804" sldId="256"/>
+            <ac:spMk id="2054" creationId="{DE491CD1-3A55-4DF5-8921-43BC4220E29D}"/>
+          </ac:spMkLst>
+        </pc:spChg>
+      </pc:sldChg>
+    </pc:docChg>
+  </pc:docChgLst>
+</pc:chgInfo>
 </file>
 
 <file path=ppt/diagrams/colors1.xml><?xml version="1.0" encoding="utf-8"?>
@@ -4126,7 +4155,7 @@
           <a:p>
             <a:fld id="{2703EBAC-8760-45B1-82F7-902A761DD851}" type="datetimeFigureOut">
               <a:rPr lang="ko-KR" altLang="en-US" smtClean="0"/>
-              <a:t>2021-10-17</a:t>
+              <a:t>2021-10-18</a:t>
             </a:fld>
             <a:endParaRPr lang="ko-KR" altLang="en-US"/>
           </a:p>
@@ -4324,7 +4353,7 @@
           <a:p>
             <a:fld id="{2703EBAC-8760-45B1-82F7-902A761DD851}" type="datetimeFigureOut">
               <a:rPr lang="ko-KR" altLang="en-US" smtClean="0"/>
-              <a:t>2021-10-17</a:t>
+              <a:t>2021-10-18</a:t>
             </a:fld>
             <a:endParaRPr lang="ko-KR" altLang="en-US"/>
           </a:p>
@@ -4532,7 +4561,7 @@
           <a:p>
             <a:fld id="{2703EBAC-8760-45B1-82F7-902A761DD851}" type="datetimeFigureOut">
               <a:rPr lang="ko-KR" altLang="en-US" smtClean="0"/>
-              <a:t>2021-10-17</a:t>
+              <a:t>2021-10-18</a:t>
             </a:fld>
             <a:endParaRPr lang="ko-KR" altLang="en-US"/>
           </a:p>
@@ -4730,7 +4759,7 @@
           <a:p>
             <a:fld id="{2703EBAC-8760-45B1-82F7-902A761DD851}" type="datetimeFigureOut">
               <a:rPr lang="ko-KR" altLang="en-US" smtClean="0"/>
-              <a:t>2021-10-17</a:t>
+              <a:t>2021-10-18</a:t>
             </a:fld>
             <a:endParaRPr lang="ko-KR" altLang="en-US"/>
           </a:p>
@@ -5005,7 +5034,7 @@
           <a:p>
             <a:fld id="{2703EBAC-8760-45B1-82F7-902A761DD851}" type="datetimeFigureOut">
               <a:rPr lang="ko-KR" altLang="en-US" smtClean="0"/>
-              <a:t>2021-10-17</a:t>
+              <a:t>2021-10-18</a:t>
             </a:fld>
             <a:endParaRPr lang="ko-KR" altLang="en-US"/>
           </a:p>
@@ -5270,7 +5299,7 @@
           <a:p>
             <a:fld id="{2703EBAC-8760-45B1-82F7-902A761DD851}" type="datetimeFigureOut">
               <a:rPr lang="ko-KR" altLang="en-US" smtClean="0"/>
-              <a:t>2021-10-17</a:t>
+              <a:t>2021-10-18</a:t>
             </a:fld>
             <a:endParaRPr lang="ko-KR" altLang="en-US"/>
           </a:p>
@@ -5682,7 +5711,7 @@
           <a:p>
             <a:fld id="{2703EBAC-8760-45B1-82F7-902A761DD851}" type="datetimeFigureOut">
               <a:rPr lang="ko-KR" altLang="en-US" smtClean="0"/>
-              <a:t>2021-10-17</a:t>
+              <a:t>2021-10-18</a:t>
             </a:fld>
             <a:endParaRPr lang="ko-KR" altLang="en-US"/>
           </a:p>
@@ -5823,7 +5852,7 @@
           <a:p>
             <a:fld id="{2703EBAC-8760-45B1-82F7-902A761DD851}" type="datetimeFigureOut">
               <a:rPr lang="ko-KR" altLang="en-US" smtClean="0"/>
-              <a:t>2021-10-17</a:t>
+              <a:t>2021-10-18</a:t>
             </a:fld>
             <a:endParaRPr lang="ko-KR" altLang="en-US"/>
           </a:p>
@@ -5936,7 +5965,7 @@
           <a:p>
             <a:fld id="{2703EBAC-8760-45B1-82F7-902A761DD851}" type="datetimeFigureOut">
               <a:rPr lang="ko-KR" altLang="en-US" smtClean="0"/>
-              <a:t>2021-10-17</a:t>
+              <a:t>2021-10-18</a:t>
             </a:fld>
             <a:endParaRPr lang="ko-KR" altLang="en-US"/>
           </a:p>
@@ -6247,7 +6276,7 @@
           <a:p>
             <a:fld id="{2703EBAC-8760-45B1-82F7-902A761DD851}" type="datetimeFigureOut">
               <a:rPr lang="ko-KR" altLang="en-US" smtClean="0"/>
-              <a:t>2021-10-17</a:t>
+              <a:t>2021-10-18</a:t>
             </a:fld>
             <a:endParaRPr lang="ko-KR" altLang="en-US"/>
           </a:p>
@@ -6535,7 +6564,7 @@
           <a:p>
             <a:fld id="{2703EBAC-8760-45B1-82F7-902A761DD851}" type="datetimeFigureOut">
               <a:rPr lang="ko-KR" altLang="en-US" smtClean="0"/>
-              <a:t>2021-10-17</a:t>
+              <a:t>2021-10-18</a:t>
             </a:fld>
             <a:endParaRPr lang="ko-KR" altLang="en-US"/>
           </a:p>
@@ -6776,7 +6805,7 @@
           <a:p>
             <a:fld id="{2703EBAC-8760-45B1-82F7-902A761DD851}" type="datetimeFigureOut">
               <a:rPr lang="ko-KR" altLang="en-US" smtClean="0"/>
-              <a:t>2021-10-17</a:t>
+              <a:t>2021-10-18</a:t>
             </a:fld>
             <a:endParaRPr lang="ko-KR" altLang="en-US"/>
           </a:p>
@@ -8298,7 +8327,7 @@
         </p:nvSpPr>
         <p:spPr>
           <a:xfrm>
-            <a:off x="2017059" y="-405310"/>
+            <a:off x="-164217" y="158558"/>
             <a:ext cx="8504328" cy="369332"/>
           </a:xfrm>
           <a:prstGeom prst="rect">
